--- a/Documents/Presentation Final Version.pptx
+++ b/Documents/Presentation Final Version.pptx
@@ -5,7 +5,7 @@
     <p:sldMasterId id="2147483659" r:id="rId1"/>
   </p:sldMasterIdLst>
   <p:notesMasterIdLst>
-    <p:notesMasterId r:id="rId12"/>
+    <p:notesMasterId r:id="rId11"/>
   </p:notesMasterIdLst>
   <p:sldIdLst>
     <p:sldId id="256" r:id="rId2"/>
@@ -13,28 +13,27 @@
     <p:sldId id="258" r:id="rId4"/>
     <p:sldId id="259" r:id="rId5"/>
     <p:sldId id="260" r:id="rId6"/>
-    <p:sldId id="261" r:id="rId7"/>
-    <p:sldId id="262" r:id="rId8"/>
-    <p:sldId id="265" r:id="rId9"/>
-    <p:sldId id="263" r:id="rId10"/>
-    <p:sldId id="264" r:id="rId11"/>
+    <p:sldId id="262" r:id="rId7"/>
+    <p:sldId id="265" r:id="rId8"/>
+    <p:sldId id="263" r:id="rId9"/>
+    <p:sldId id="264" r:id="rId10"/>
   </p:sldIdLst>
   <p:sldSz cx="9144000" cy="5143500" type="screen16x9"/>
   <p:notesSz cx="6858000" cy="9144000"/>
   <p:embeddedFontLst>
     <p:embeddedFont>
       <p:font typeface="Raleway" charset="0"/>
-      <p:regular r:id="rId13"/>
-      <p:bold r:id="rId14"/>
-      <p:italic r:id="rId15"/>
-      <p:boldItalic r:id="rId16"/>
+      <p:regular r:id="rId12"/>
+      <p:bold r:id="rId13"/>
+      <p:italic r:id="rId14"/>
+      <p:boldItalic r:id="rId15"/>
     </p:embeddedFont>
     <p:embeddedFont>
       <p:font typeface="Lato" charset="0"/>
-      <p:regular r:id="rId17"/>
-      <p:bold r:id="rId18"/>
-      <p:italic r:id="rId19"/>
-      <p:boldItalic r:id="rId20"/>
+      <p:regular r:id="rId16"/>
+      <p:bold r:id="rId17"/>
+      <p:italic r:id="rId18"/>
+      <p:boldItalic r:id="rId19"/>
     </p:embeddedFont>
   </p:embeddedFontLst>
   <p:defaultTextStyle>
@@ -268,7 +267,7 @@
   </p:defaultTextStyle>
   <p:extLst>
     <p:ext uri="{EFAFB233-063F-42B5-8137-9DF3F51BA10A}">
-      <p15:sldGuideLst xmlns:p15="http://schemas.microsoft.com/office/powerpoint/2012/main" xmlns:p14="http://schemas.microsoft.com/office/powerpoint/2010/main" xmlns:com="http://schemas.openxmlformats.org/drawingml/2006/compatibility" xmlns:pvml="urn:schemas-microsoft-com:office:powerpoint" xmlns:v="urn:schemas-microsoft-com:vml" xmlns:o="urn:schemas-microsoft-com:office:office" xmlns:dgm="http://schemas.openxmlformats.org/drawingml/2006/diagram" xmlns:c="http://schemas.openxmlformats.org/drawingml/2006/chart" xmlns:mv="urn:schemas-microsoft-com:mac:vml" xmlns:mc="http://schemas.openxmlformats.org/markup-compatibility/2006" xmlns="">
+      <p15:sldGuideLst xmlns="" xmlns:mc="http://schemas.openxmlformats.org/markup-compatibility/2006" xmlns:mv="urn:schemas-microsoft-com:mac:vml" xmlns:c="http://schemas.openxmlformats.org/drawingml/2006/chart" xmlns:dgm="http://schemas.openxmlformats.org/drawingml/2006/diagram" xmlns:o="urn:schemas-microsoft-com:office:office" xmlns:v="urn:schemas-microsoft-com:vml" xmlns:pvml="urn:schemas-microsoft-com:office:powerpoint" xmlns:com="http://schemas.openxmlformats.org/drawingml/2006/compatibility" xmlns:p14="http://schemas.microsoft.com/office/powerpoint/2010/main" xmlns:p15="http://schemas.microsoft.com/office/powerpoint/2012/main">
         <p15:guide id="1" orient="horz" pos="1620">
           <p15:clr>
             <a:srgbClr val="A4A3A4"/>
@@ -963,7 +962,7 @@
         </p:nvSpPr>
         <p:spPr>
           <a:xfrm>
-            <a:off x="381300" y="685800"/>
+            <a:off x="381000" y="685800"/>
             <a:ext cx="6096000" cy="3429000"/>
           </a:xfrm>
           <a:custGeom>
@@ -1251,110 +1250,6 @@
   <p:cSld>
     <p:spTree>
       <p:nvGrpSpPr>
-        <p:cNvPr id="1" name="Shape 112"/>
-        <p:cNvGrpSpPr/>
-        <p:nvPr/>
-      </p:nvGrpSpPr>
-      <p:grpSpPr>
-        <a:xfrm>
-          <a:off x="0" y="0"/>
-          <a:ext cx="0" cy="0"/>
-          <a:chOff x="0" y="0"/>
-          <a:chExt cx="0" cy="0"/>
-        </a:xfrm>
-      </p:grpSpPr>
-      <p:sp>
-        <p:nvSpPr>
-          <p:cNvPr id="113" name="Google Shape;113;g8000227139_0_5:notes"/>
-          <p:cNvSpPr>
-            <a:spLocks noGrp="1" noRot="1" noChangeAspect="1"/>
-          </p:cNvSpPr>
-          <p:nvPr>
-            <p:ph type="sldImg" idx="2"/>
-          </p:nvPr>
-        </p:nvSpPr>
-        <p:spPr>
-          <a:xfrm>
-            <a:off x="381300" y="685800"/>
-            <a:ext cx="6096000" cy="3429000"/>
-          </a:xfrm>
-          <a:custGeom>
-            <a:avLst/>
-            <a:gdLst/>
-            <a:ahLst/>
-            <a:cxnLst/>
-            <a:rect l="l" t="t" r="r" b="b"/>
-            <a:pathLst>
-              <a:path w="120000" h="120000" extrusionOk="0">
-                <a:moveTo>
-                  <a:pt x="0" y="0"/>
-                </a:moveTo>
-                <a:lnTo>
-                  <a:pt x="120000" y="0"/>
-                </a:lnTo>
-                <a:lnTo>
-                  <a:pt x="120000" y="120000"/>
-                </a:lnTo>
-                <a:lnTo>
-                  <a:pt x="0" y="120000"/>
-                </a:lnTo>
-                <a:close/>
-              </a:path>
-            </a:pathLst>
-          </a:custGeom>
-        </p:spPr>
-      </p:sp>
-      <p:sp>
-        <p:nvSpPr>
-          <p:cNvPr id="114" name="Google Shape;114;g8000227139_0_5:notes"/>
-          <p:cNvSpPr txBox="1">
-            <a:spLocks noGrp="1"/>
-          </p:cNvSpPr>
-          <p:nvPr>
-            <p:ph type="body" idx="1"/>
-          </p:nvPr>
-        </p:nvSpPr>
-        <p:spPr>
-          <a:xfrm>
-            <a:off x="685800" y="4343400"/>
-            <a:ext cx="5486400" cy="4114800"/>
-          </a:xfrm>
-          <a:prstGeom prst="rect">
-            <a:avLst/>
-          </a:prstGeom>
-        </p:spPr>
-        <p:txBody>
-          <a:bodyPr spcFirstLastPara="1" wrap="square" lIns="91425" tIns="91425" rIns="91425" bIns="91425" anchor="t" anchorCtr="0">
-            <a:noAutofit/>
-          </a:bodyPr>
-          <a:lstStyle/>
-          <a:p>
-            <a:pPr marL="0" lvl="0" indent="0" algn="l" rtl="0">
-              <a:spcBef>
-                <a:spcPts val="0"/>
-              </a:spcBef>
-              <a:spcAft>
-                <a:spcPts val="0"/>
-              </a:spcAft>
-              <a:buNone/>
-            </a:pPr>
-            <a:endParaRPr/>
-          </a:p>
-        </p:txBody>
-      </p:sp>
-    </p:spTree>
-  </p:cSld>
-  <p:clrMapOvr>
-    <a:masterClrMapping/>
-  </p:clrMapOvr>
-</p:notes>
-</file>
-
-<file path=ppt/notesSlides/notesSlide7.xml><?xml version="1.0" encoding="utf-8"?>
-<p:notes xmlns:a="http://schemas.openxmlformats.org/drawingml/2006/main" xmlns:r="http://schemas.openxmlformats.org/officeDocument/2006/relationships" xmlns:p="http://schemas.openxmlformats.org/presentationml/2006/main" showMasterSp="0" showMasterPhAnim="0">
-  <p:cSld>
-    <p:spTree>
-      <p:nvGrpSpPr>
         <p:cNvPr id="1" name="Shape 118"/>
         <p:cNvGrpSpPr/>
         <p:nvPr/>
@@ -1454,7 +1349,7 @@
 </p:notes>
 </file>
 
-<file path=ppt/notesSlides/notesSlide8.xml><?xml version="1.0" encoding="utf-8"?>
+<file path=ppt/notesSlides/notesSlide7.xml><?xml version="1.0" encoding="utf-8"?>
 <p:notes xmlns:a="http://schemas.openxmlformats.org/drawingml/2006/main" xmlns:r="http://schemas.openxmlformats.org/officeDocument/2006/relationships" xmlns:p="http://schemas.openxmlformats.org/presentationml/2006/main" showMasterSp="0" showMasterPhAnim="0">
   <p:cSld>
     <p:spTree>
@@ -1558,7 +1453,7 @@
 </p:notes>
 </file>
 
-<file path=ppt/notesSlides/notesSlide9.xml><?xml version="1.0" encoding="utf-8"?>
+<file path=ppt/notesSlides/notesSlide8.xml><?xml version="1.0" encoding="utf-8"?>
 <p:notes xmlns:a="http://schemas.openxmlformats.org/drawingml/2006/main" xmlns:r="http://schemas.openxmlformats.org/officeDocument/2006/relationships" xmlns:p="http://schemas.openxmlformats.org/presentationml/2006/main" showMasterSp="0" showMasterPhAnim="0">
   <p:cSld>
     <p:spTree>
@@ -8541,168 +8436,6 @@
 </p:sld>
 </file>
 
-<file path=ppt/slides/slide10.xml><?xml version="1.0" encoding="utf-8"?>
-<p:sld xmlns:a="http://schemas.openxmlformats.org/drawingml/2006/main" xmlns:r="http://schemas.openxmlformats.org/officeDocument/2006/relationships" xmlns:p="http://schemas.openxmlformats.org/presentationml/2006/main">
-  <p:cSld>
-    <p:spTree>
-      <p:nvGrpSpPr>
-        <p:cNvPr id="1" name="Shape 133"/>
-        <p:cNvGrpSpPr/>
-        <p:nvPr/>
-      </p:nvGrpSpPr>
-      <p:grpSpPr>
-        <a:xfrm>
-          <a:off x="0" y="0"/>
-          <a:ext cx="0" cy="0"/>
-          <a:chOff x="0" y="0"/>
-          <a:chExt cx="0" cy="0"/>
-        </a:xfrm>
-      </p:grpSpPr>
-      <p:sp>
-        <p:nvSpPr>
-          <p:cNvPr id="134" name="Google Shape;134;p21"/>
-          <p:cNvSpPr txBox="1">
-            <a:spLocks noGrp="1"/>
-          </p:cNvSpPr>
-          <p:nvPr>
-            <p:ph type="title"/>
-          </p:nvPr>
-        </p:nvSpPr>
-        <p:spPr>
-          <a:xfrm>
-            <a:off x="729450" y="1318650"/>
-            <a:ext cx="7688700" cy="535200"/>
-          </a:xfrm>
-          <a:prstGeom prst="rect">
-            <a:avLst/>
-          </a:prstGeom>
-        </p:spPr>
-        <p:txBody>
-          <a:bodyPr spcFirstLastPara="1" wrap="square" lIns="91425" tIns="91425" rIns="91425" bIns="91425" anchor="t" anchorCtr="0">
-            <a:noAutofit/>
-          </a:bodyPr>
-          <a:lstStyle/>
-          <a:p>
-            <a:pPr marL="0" lvl="0" indent="0" algn="l" rtl="0">
-              <a:spcBef>
-                <a:spcPts val="0"/>
-              </a:spcBef>
-              <a:spcAft>
-                <a:spcPts val="0"/>
-              </a:spcAft>
-              <a:buNone/>
-            </a:pPr>
-            <a:r>
-              <a:rPr lang="en"/>
-              <a:t>Conclusion</a:t>
-            </a:r>
-            <a:endParaRPr/>
-          </a:p>
-        </p:txBody>
-      </p:sp>
-      <p:sp>
-        <p:nvSpPr>
-          <p:cNvPr id="135" name="Google Shape;135;p21"/>
-          <p:cNvSpPr txBox="1">
-            <a:spLocks noGrp="1"/>
-          </p:cNvSpPr>
-          <p:nvPr>
-            <p:ph type="body" idx="1"/>
-          </p:nvPr>
-        </p:nvSpPr>
-        <p:spPr>
-          <a:xfrm>
-            <a:off x="729450" y="2078875"/>
-            <a:ext cx="7688700" cy="2261100"/>
-          </a:xfrm>
-          <a:prstGeom prst="rect">
-            <a:avLst/>
-          </a:prstGeom>
-        </p:spPr>
-        <p:txBody>
-          <a:bodyPr spcFirstLastPara="1" wrap="square" lIns="91425" tIns="91425" rIns="91425" bIns="91425" anchor="t" anchorCtr="0">
-            <a:noAutofit/>
-          </a:bodyPr>
-          <a:lstStyle/>
-          <a:p>
-            <a:pPr marL="457200" lvl="0" indent="-311150" algn="l" rtl="0">
-              <a:spcBef>
-                <a:spcPts val="0"/>
-              </a:spcBef>
-              <a:spcAft>
-                <a:spcPts val="0"/>
-              </a:spcAft>
-              <a:buSzPts val="1300"/>
-              <a:buChar char="●"/>
-            </a:pPr>
-            <a:r>
-              <a:rPr lang="en-GB" dirty="0" smtClean="0"/>
-              <a:t>Most of intended functionality for algorithm achieved.</a:t>
-            </a:r>
-          </a:p>
-          <a:p>
-            <a:pPr marL="457200" lvl="0" indent="-311150" algn="l" rtl="0">
-              <a:spcBef>
-                <a:spcPts val="0"/>
-              </a:spcBef>
-              <a:spcAft>
-                <a:spcPts val="0"/>
-              </a:spcAft>
-              <a:buSzPts val="1300"/>
-              <a:buChar char="●"/>
-            </a:pPr>
-            <a:r>
-              <a:rPr lang="en-GB" dirty="0" smtClean="0"/>
-              <a:t>Algorithm can create viable paths but usually at a much slower rate then the base A* though the paths created by the A* algorithm are not guaranteed to be viable.</a:t>
-            </a:r>
-          </a:p>
-          <a:p>
-            <a:pPr marL="457200" lvl="0" indent="-311150" algn="l" rtl="0">
-              <a:spcBef>
-                <a:spcPts val="0"/>
-              </a:spcBef>
-              <a:spcAft>
-                <a:spcPts val="0"/>
-              </a:spcAft>
-              <a:buSzPts val="1300"/>
-              <a:buChar char="●"/>
-            </a:pPr>
-            <a:r>
-              <a:rPr lang="en-GB" dirty="0" smtClean="0"/>
-              <a:t>Dynamic </a:t>
-            </a:r>
-            <a:r>
-              <a:rPr lang="en-GB" dirty="0" smtClean="0"/>
-              <a:t>elements were integrated.</a:t>
-            </a:r>
-          </a:p>
-          <a:p>
-            <a:pPr marL="457200" lvl="0" indent="-311150" algn="l" rtl="0">
-              <a:spcBef>
-                <a:spcPts val="0"/>
-              </a:spcBef>
-              <a:spcAft>
-                <a:spcPts val="0"/>
-              </a:spcAft>
-              <a:buSzPts val="1300"/>
-              <a:buChar char="●"/>
-            </a:pPr>
-            <a:r>
-              <a:rPr lang="en-GB" dirty="0" smtClean="0"/>
-              <a:t>There are still multiple ways in which the efficiency of the algorithm could be increased such as determining if a path is viable earlier.</a:t>
-            </a:r>
-            <a:endParaRPr/>
-          </a:p>
-        </p:txBody>
-      </p:sp>
-    </p:spTree>
-  </p:cSld>
-  <p:clrMapOvr>
-    <a:masterClrMapping/>
-  </p:clrMapOvr>
-</p:sld>
-</file>
-
 <file path=ppt/slides/slide2.xml><?xml version="1.0" encoding="utf-8"?>
 <p:sld xmlns:a="http://schemas.openxmlformats.org/drawingml/2006/main" xmlns:r="http://schemas.openxmlformats.org/officeDocument/2006/relationships" xmlns:p="http://schemas.openxmlformats.org/presentationml/2006/main">
   <p:cSld>
@@ -8924,7 +8657,7 @@
               <a:buNone/>
             </a:pPr>
             <a:r>
-              <a:rPr lang="en"/>
+              <a:rPr lang="en" dirty="0"/>
               <a:t>My Goals for the project were:</a:t>
             </a:r>
             <a:endParaRPr/>
@@ -8941,7 +8674,7 @@
               <a:buChar char="●"/>
             </a:pPr>
             <a:r>
-              <a:rPr lang="en"/>
+              <a:rPr lang="en" dirty="0"/>
               <a:t>To create a Algorithm that takes into account things like fuel, width etc.</a:t>
             </a:r>
             <a:endParaRPr/>
@@ -8958,8 +8691,12 @@
               <a:buChar char="●"/>
             </a:pPr>
             <a:r>
-              <a:rPr lang="en"/>
-              <a:t>Have it include dynamic elements from algorithms such as D*.</a:t>
+              <a:rPr lang="en" dirty="0"/>
+              <a:t>Have it include dynamic elements from algorithms such as </a:t>
+            </a:r>
+            <a:r>
+              <a:rPr lang="en" dirty="0" smtClean="0"/>
+              <a:t>LPA*.</a:t>
             </a:r>
             <a:endParaRPr/>
           </a:p>
@@ -8975,8 +8712,20 @@
               <a:buChar char="●"/>
             </a:pPr>
             <a:r>
+              <a:rPr lang="en" dirty="0"/>
+              <a:t>Have it include elements from </a:t>
+            </a:r>
+            <a:r>
               <a:rPr lang="en"/>
-              <a:t>Have it include elements from the HRA* algorithm such as creating a rough path and then refining it to fit into the map.</a:t>
+              <a:t>the </a:t>
+            </a:r>
+            <a:r>
+              <a:rPr lang="en" smtClean="0"/>
+              <a:t>HPA</a:t>
+            </a:r>
+            <a:r>
+              <a:rPr lang="en" dirty="0"/>
+              <a:t>* algorithm such as creating a rough path and then refining it to fit into the map.</a:t>
             </a:r>
             <a:endParaRPr/>
           </a:p>
@@ -8992,7 +8741,7 @@
               <a:buChar char="●"/>
             </a:pPr>
             <a:r>
-              <a:rPr lang="en"/>
+              <a:rPr lang="en" dirty="0"/>
               <a:t>To have the algorithm compared to the base A* algorithm.</a:t>
             </a:r>
             <a:endParaRPr/>
@@ -9332,167 +9081,6 @@
   <p:cSld>
     <p:spTree>
       <p:nvGrpSpPr>
-        <p:cNvPr id="1" name="Shape 115"/>
-        <p:cNvGrpSpPr/>
-        <p:nvPr/>
-      </p:nvGrpSpPr>
-      <p:grpSpPr>
-        <a:xfrm>
-          <a:off x="0" y="0"/>
-          <a:ext cx="0" cy="0"/>
-          <a:chOff x="0" y="0"/>
-          <a:chExt cx="0" cy="0"/>
-        </a:xfrm>
-      </p:grpSpPr>
-      <p:sp>
-        <p:nvSpPr>
-          <p:cNvPr id="116" name="Google Shape;116;p18"/>
-          <p:cNvSpPr txBox="1">
-            <a:spLocks noGrp="1"/>
-          </p:cNvSpPr>
-          <p:nvPr>
-            <p:ph type="title"/>
-          </p:nvPr>
-        </p:nvSpPr>
-        <p:spPr>
-          <a:xfrm>
-            <a:off x="729450" y="1318650"/>
-            <a:ext cx="7688700" cy="535200"/>
-          </a:xfrm>
-          <a:prstGeom prst="rect">
-            <a:avLst/>
-          </a:prstGeom>
-        </p:spPr>
-        <p:txBody>
-          <a:bodyPr spcFirstLastPara="1" wrap="square" lIns="91425" tIns="91425" rIns="91425" bIns="91425" anchor="t" anchorCtr="0">
-            <a:noAutofit/>
-          </a:bodyPr>
-          <a:lstStyle/>
-          <a:p>
-            <a:pPr marL="0" lvl="0" indent="0" algn="l" rtl="0">
-              <a:spcBef>
-                <a:spcPts val="0"/>
-              </a:spcBef>
-              <a:spcAft>
-                <a:spcPts val="0"/>
-              </a:spcAft>
-              <a:buNone/>
-            </a:pPr>
-            <a:r>
-              <a:rPr lang="en"/>
-              <a:t>HPA* Algorithm</a:t>
-            </a:r>
-            <a:endParaRPr/>
-          </a:p>
-        </p:txBody>
-      </p:sp>
-      <p:sp>
-        <p:nvSpPr>
-          <p:cNvPr id="117" name="Google Shape;117;p18"/>
-          <p:cNvSpPr txBox="1">
-            <a:spLocks noGrp="1"/>
-          </p:cNvSpPr>
-          <p:nvPr>
-            <p:ph type="body" idx="1"/>
-          </p:nvPr>
-        </p:nvSpPr>
-        <p:spPr>
-          <a:xfrm>
-            <a:off x="729450" y="2078875"/>
-            <a:ext cx="7688700" cy="2261100"/>
-          </a:xfrm>
-          <a:prstGeom prst="rect">
-            <a:avLst/>
-          </a:prstGeom>
-        </p:spPr>
-        <p:txBody>
-          <a:bodyPr spcFirstLastPara="1" wrap="square" lIns="91425" tIns="91425" rIns="91425" bIns="91425" anchor="t" anchorCtr="0">
-            <a:noAutofit/>
-          </a:bodyPr>
-          <a:lstStyle/>
-          <a:p>
-            <a:pPr marL="457200" lvl="0" indent="-311150" algn="l" rtl="0">
-              <a:spcBef>
-                <a:spcPts val="0"/>
-              </a:spcBef>
-              <a:spcAft>
-                <a:spcPts val="0"/>
-              </a:spcAft>
-              <a:buSzPts val="1300"/>
-              <a:buChar char="●"/>
-            </a:pPr>
-            <a:r>
-              <a:rPr lang="en"/>
-              <a:t>This algorithm consists of the following.</a:t>
-            </a:r>
-            <a:endParaRPr/>
-          </a:p>
-          <a:p>
-            <a:pPr marL="457200" lvl="0" indent="-311150" algn="l" rtl="0">
-              <a:spcBef>
-                <a:spcPts val="0"/>
-              </a:spcBef>
-              <a:spcAft>
-                <a:spcPts val="0"/>
-              </a:spcAft>
-              <a:buSzPts val="1300"/>
-              <a:buChar char="●"/>
-            </a:pPr>
-            <a:r>
-              <a:rPr lang="en"/>
-              <a:t>The map is broken down into  evenly sized segments with key points between them being identified.</a:t>
-            </a:r>
-            <a:endParaRPr/>
-          </a:p>
-          <a:p>
-            <a:pPr marL="457200" lvl="0" indent="-311150" algn="l" rtl="0">
-              <a:spcBef>
-                <a:spcPts val="0"/>
-              </a:spcBef>
-              <a:spcAft>
-                <a:spcPts val="0"/>
-              </a:spcAft>
-              <a:buSzPts val="1300"/>
-              <a:buChar char="●"/>
-            </a:pPr>
-            <a:r>
-              <a:rPr lang="en"/>
-              <a:t>A when a start point and end point is selected a path is created using the key points.</a:t>
-            </a:r>
-            <a:endParaRPr/>
-          </a:p>
-          <a:p>
-            <a:pPr marL="457200" lvl="0" indent="-311150" algn="l" rtl="0">
-              <a:spcBef>
-                <a:spcPts val="0"/>
-              </a:spcBef>
-              <a:spcAft>
-                <a:spcPts val="0"/>
-              </a:spcAft>
-              <a:buSzPts val="1300"/>
-              <a:buChar char="●"/>
-            </a:pPr>
-            <a:r>
-              <a:rPr lang="en"/>
-              <a:t>After the path is created it is applied to proper map and refined to fit into it.</a:t>
-            </a:r>
-            <a:endParaRPr/>
-          </a:p>
-        </p:txBody>
-      </p:sp>
-    </p:spTree>
-  </p:cSld>
-  <p:clrMapOvr>
-    <a:masterClrMapping/>
-  </p:clrMapOvr>
-</p:sld>
-</file>
-
-<file path=ppt/slides/slide7.xml><?xml version="1.0" encoding="utf-8"?>
-<p:sld xmlns:a="http://schemas.openxmlformats.org/drawingml/2006/main" xmlns:r="http://schemas.openxmlformats.org/officeDocument/2006/relationships" xmlns:p="http://schemas.openxmlformats.org/presentationml/2006/main">
-  <p:cSld>
-    <p:spTree>
-      <p:nvGrpSpPr>
         <p:cNvPr id="1" name="Shape 121"/>
         <p:cNvGrpSpPr/>
         <p:nvPr/>
@@ -9648,7 +9236,7 @@
 </p:sld>
 </file>
 
-<file path=ppt/slides/slide8.xml><?xml version="1.0" encoding="utf-8"?>
+<file path=ppt/slides/slide7.xml><?xml version="1.0" encoding="utf-8"?>
 <p:sld xmlns:a="http://schemas.openxmlformats.org/drawingml/2006/main" xmlns:r="http://schemas.openxmlformats.org/officeDocument/2006/relationships" xmlns:p="http://schemas.openxmlformats.org/presentationml/2006/main">
   <p:cSld>
     <p:spTree>
@@ -9725,7 +9313,7 @@
 </p:sld>
 </file>
 
-<file path=ppt/slides/slide9.xml><?xml version="1.0" encoding="utf-8"?>
+<file path=ppt/slides/slide8.xml><?xml version="1.0" encoding="utf-8"?>
 <p:sld xmlns:a="http://schemas.openxmlformats.org/drawingml/2006/main" xmlns:r="http://schemas.openxmlformats.org/officeDocument/2006/relationships" xmlns:p="http://schemas.openxmlformats.org/presentationml/2006/main">
   <p:cSld>
     <p:spTree>
@@ -9854,8 +9442,8 @@
               <a:buChar char="●"/>
             </a:pPr>
             <a:r>
-              <a:rPr lang="en" dirty="0"/>
-              <a:t>Was </a:t>
+              <a:rPr lang="en" dirty="0" smtClean="0"/>
+              <a:t>I was </a:t>
             </a:r>
             <a:r>
               <a:rPr lang="en" dirty="0" smtClean="0"/>
@@ -9863,7 +9451,11 @@
             </a:r>
             <a:r>
               <a:rPr lang="en" dirty="0"/>
-              <a:t>to add in dynamic elements to the algorithm.</a:t>
+              <a:t>to add in dynamic elements to the </a:t>
+            </a:r>
+            <a:r>
+              <a:rPr lang="en" dirty="0" smtClean="0"/>
+              <a:t>algorithm which were inspired by the LPA* algorithms method which includes the storing of the previous path and starting at the affected location.</a:t>
             </a:r>
             <a:endParaRPr/>
           </a:p>
@@ -9884,8 +9476,190 @@
             </a:r>
             <a:r>
               <a:rPr lang="en" dirty="0" smtClean="0"/>
-              <a:t>implemented.</a:t>
+              <a:t>implemented</a:t>
             </a:r>
+            <a:r>
+              <a:rPr lang="en" dirty="0" smtClean="0"/>
+              <a:t> </a:t>
+            </a:r>
+            <a:r>
+              <a:rPr lang="en" dirty="0" smtClean="0"/>
+              <a:t>and showed that the created algorithm was generally slower with the time increasing greatly as the distance of the path increased.</a:t>
+            </a:r>
+            <a:endParaRPr/>
+          </a:p>
+        </p:txBody>
+      </p:sp>
+    </p:spTree>
+  </p:cSld>
+  <p:clrMapOvr>
+    <a:masterClrMapping/>
+  </p:clrMapOvr>
+</p:sld>
+</file>
+
+<file path=ppt/slides/slide9.xml><?xml version="1.0" encoding="utf-8"?>
+<p:sld xmlns:a="http://schemas.openxmlformats.org/drawingml/2006/main" xmlns:r="http://schemas.openxmlformats.org/officeDocument/2006/relationships" xmlns:p="http://schemas.openxmlformats.org/presentationml/2006/main">
+  <p:cSld>
+    <p:spTree>
+      <p:nvGrpSpPr>
+        <p:cNvPr id="1" name="Shape 133"/>
+        <p:cNvGrpSpPr/>
+        <p:nvPr/>
+      </p:nvGrpSpPr>
+      <p:grpSpPr>
+        <a:xfrm>
+          <a:off x="0" y="0"/>
+          <a:ext cx="0" cy="0"/>
+          <a:chOff x="0" y="0"/>
+          <a:chExt cx="0" cy="0"/>
+        </a:xfrm>
+      </p:grpSpPr>
+      <p:sp>
+        <p:nvSpPr>
+          <p:cNvPr id="134" name="Google Shape;134;p21"/>
+          <p:cNvSpPr txBox="1">
+            <a:spLocks noGrp="1"/>
+          </p:cNvSpPr>
+          <p:nvPr>
+            <p:ph type="title"/>
+          </p:nvPr>
+        </p:nvSpPr>
+        <p:spPr>
+          <a:xfrm>
+            <a:off x="729450" y="1318650"/>
+            <a:ext cx="7688700" cy="535200"/>
+          </a:xfrm>
+          <a:prstGeom prst="rect">
+            <a:avLst/>
+          </a:prstGeom>
+        </p:spPr>
+        <p:txBody>
+          <a:bodyPr spcFirstLastPara="1" wrap="square" lIns="91425" tIns="91425" rIns="91425" bIns="91425" anchor="t" anchorCtr="0">
+            <a:noAutofit/>
+          </a:bodyPr>
+          <a:lstStyle/>
+          <a:p>
+            <a:pPr marL="0" lvl="0" indent="0" algn="l" rtl="0">
+              <a:spcBef>
+                <a:spcPts val="0"/>
+              </a:spcBef>
+              <a:spcAft>
+                <a:spcPts val="0"/>
+              </a:spcAft>
+              <a:buNone/>
+            </a:pPr>
+            <a:r>
+              <a:rPr lang="en"/>
+              <a:t>Conclusion</a:t>
+            </a:r>
+            <a:endParaRPr/>
+          </a:p>
+        </p:txBody>
+      </p:sp>
+      <p:sp>
+        <p:nvSpPr>
+          <p:cNvPr id="135" name="Google Shape;135;p21"/>
+          <p:cNvSpPr txBox="1">
+            <a:spLocks noGrp="1"/>
+          </p:cNvSpPr>
+          <p:nvPr>
+            <p:ph type="body" idx="1"/>
+          </p:nvPr>
+        </p:nvSpPr>
+        <p:spPr>
+          <a:xfrm>
+            <a:off x="729450" y="2078875"/>
+            <a:ext cx="7688700" cy="2261100"/>
+          </a:xfrm>
+          <a:prstGeom prst="rect">
+            <a:avLst/>
+          </a:prstGeom>
+        </p:spPr>
+        <p:txBody>
+          <a:bodyPr spcFirstLastPara="1" wrap="square" lIns="91425" tIns="91425" rIns="91425" bIns="91425" anchor="t" anchorCtr="0">
+            <a:noAutofit/>
+          </a:bodyPr>
+          <a:lstStyle/>
+          <a:p>
+            <a:pPr marL="457200" lvl="0" indent="-311150" algn="l" rtl="0">
+              <a:spcBef>
+                <a:spcPts val="0"/>
+              </a:spcBef>
+              <a:spcAft>
+                <a:spcPts val="0"/>
+              </a:spcAft>
+              <a:buSzPts val="1300"/>
+              <a:buChar char="●"/>
+            </a:pPr>
+            <a:r>
+              <a:rPr lang="en-GB" dirty="0" smtClean="0"/>
+              <a:t>Most of intended functionality for algorithm achieved.</a:t>
+            </a:r>
+          </a:p>
+          <a:p>
+            <a:pPr marL="457200" lvl="0" indent="-311150" algn="l" rtl="0">
+              <a:spcBef>
+                <a:spcPts val="0"/>
+              </a:spcBef>
+              <a:spcAft>
+                <a:spcPts val="0"/>
+              </a:spcAft>
+              <a:buSzPts val="1300"/>
+              <a:buChar char="●"/>
+            </a:pPr>
+            <a:r>
+              <a:rPr lang="en-GB" dirty="0" smtClean="0"/>
+              <a:t>Algorithm can create viable paths but usually at a much slower rate then the base A* though the paths created by the A* algorithm are not guaranteed to be viable.</a:t>
+            </a:r>
+          </a:p>
+          <a:p>
+            <a:pPr marL="457200" lvl="0" indent="-311150" algn="l" rtl="0">
+              <a:spcBef>
+                <a:spcPts val="0"/>
+              </a:spcBef>
+              <a:spcAft>
+                <a:spcPts val="0"/>
+              </a:spcAft>
+              <a:buSzPts val="1300"/>
+              <a:buChar char="●"/>
+            </a:pPr>
+            <a:r>
+              <a:rPr lang="en-GB" dirty="0" smtClean="0"/>
+              <a:t>Dynamic elements were integrated.</a:t>
+            </a:r>
+          </a:p>
+          <a:p>
+            <a:pPr marL="457200" lvl="0" indent="-311150" algn="l" rtl="0">
+              <a:spcBef>
+                <a:spcPts val="0"/>
+              </a:spcBef>
+              <a:spcAft>
+                <a:spcPts val="0"/>
+              </a:spcAft>
+              <a:buSzPts val="1300"/>
+              <a:buChar char="●"/>
+            </a:pPr>
+            <a:r>
+              <a:rPr lang="en-GB" dirty="0" smtClean="0"/>
+              <a:t>There are still multiple ways in which the efficiency of the algorithm could be increased such as determining if a path is viable earlier</a:t>
+            </a:r>
+            <a:r>
+              <a:rPr lang="en-GB" dirty="0" smtClean="0"/>
+              <a:t>.</a:t>
+            </a:r>
+          </a:p>
+          <a:p>
+            <a:pPr marL="457200" lvl="0" indent="-311150" algn="l" rtl="0">
+              <a:spcBef>
+                <a:spcPts val="0"/>
+              </a:spcBef>
+              <a:spcAft>
+                <a:spcPts val="0"/>
+              </a:spcAft>
+              <a:buSzPts val="1300"/>
+              <a:buChar char="●"/>
+            </a:pPr>
             <a:endParaRPr/>
           </a:p>
         </p:txBody>

--- a/Documents/Presentation Final Version.pptx
+++ b/Documents/Presentation Final Version.pptx
@@ -267,7 +267,7 @@
   </p:defaultTextStyle>
   <p:extLst>
     <p:ext uri="{EFAFB233-063F-42B5-8137-9DF3F51BA10A}">
-      <p15:sldGuideLst xmlns="" xmlns:mc="http://schemas.openxmlformats.org/markup-compatibility/2006" xmlns:mv="urn:schemas-microsoft-com:mac:vml" xmlns:c="http://schemas.openxmlformats.org/drawingml/2006/chart" xmlns:dgm="http://schemas.openxmlformats.org/drawingml/2006/diagram" xmlns:o="urn:schemas-microsoft-com:office:office" xmlns:v="urn:schemas-microsoft-com:vml" xmlns:pvml="urn:schemas-microsoft-com:office:powerpoint" xmlns:com="http://schemas.openxmlformats.org/drawingml/2006/compatibility" xmlns:p14="http://schemas.microsoft.com/office/powerpoint/2010/main" xmlns:p15="http://schemas.microsoft.com/office/powerpoint/2012/main">
+      <p15:sldGuideLst xmlns:p15="http://schemas.microsoft.com/office/powerpoint/2012/main" xmlns:p14="http://schemas.microsoft.com/office/powerpoint/2010/main" xmlns:com="http://schemas.openxmlformats.org/drawingml/2006/compatibility" xmlns:pvml="urn:schemas-microsoft-com:office:powerpoint" xmlns:v="urn:schemas-microsoft-com:vml" xmlns:o="urn:schemas-microsoft-com:office:office" xmlns:dgm="http://schemas.openxmlformats.org/drawingml/2006/diagram" xmlns:c="http://schemas.openxmlformats.org/drawingml/2006/chart" xmlns:mv="urn:schemas-microsoft-com:mac:vml" xmlns:mc="http://schemas.openxmlformats.org/markup-compatibility/2006" xmlns="">
         <p15:guide id="1" orient="horz" pos="1620">
           <p15:clr>
             <a:srgbClr val="A4A3A4"/>
@@ -1274,7 +1274,7 @@
         </p:nvSpPr>
         <p:spPr>
           <a:xfrm>
-            <a:off x="381300" y="685800"/>
+            <a:off x="381000" y="685800"/>
             <a:ext cx="6096000" cy="3429000"/>
           </a:xfrm>
           <a:custGeom>
@@ -9170,7 +9170,7 @@
               <a:buNone/>
             </a:pPr>
             <a:r>
-              <a:rPr lang="en"/>
+              <a:rPr lang="en" dirty="0"/>
               <a:t>The intended method for the algorithm is as follows:</a:t>
             </a:r>
             <a:endParaRPr/>
@@ -9187,7 +9187,7 @@
               <a:buChar char="●"/>
             </a:pPr>
             <a:r>
-              <a:rPr lang="en"/>
+              <a:rPr lang="en" dirty="0"/>
               <a:t>First every road has its width checked. If the width falls below the cars the road has a boolean turned off and isn’t checked when the algorithm is run.</a:t>
             </a:r>
             <a:endParaRPr/>
@@ -9204,8 +9204,16 @@
               <a:buChar char="●"/>
             </a:pPr>
             <a:r>
-              <a:rPr lang="en"/>
-              <a:t>The cars fuel capacity is taken and used as the initial fuel amount. An expected fuel amount is then calculated every time a town is checked. If it falls below zero the car wont go to that town. If it doesn't that town has an associated value updated to that value. If that town has a fuel value of its own it will be added to the amount.</a:t>
+              <a:rPr lang="en" dirty="0"/>
+              <a:t>The cars fuel capacity is taken and used as the initial fuel amount. An expected fuel amount is then calculated every time a town is checked. If it falls below zero the car </a:t>
+            </a:r>
+            <a:r>
+              <a:rPr lang="en" dirty="0" smtClean="0"/>
+              <a:t>won’t </a:t>
+            </a:r>
+            <a:r>
+              <a:rPr lang="en" dirty="0"/>
+              <a:t>go to that town. If it doesn't that town has an associated value updated to that value. If that town has a fuel value of its own it will be added to the amount.</a:t>
             </a:r>
             <a:endParaRPr/>
           </a:p>
@@ -9221,8 +9229,24 @@
               <a:buChar char="●"/>
             </a:pPr>
             <a:r>
-              <a:rPr lang="en"/>
-              <a:t>Another method is that if the algorithm encounters a previously checked town and the predicted amount of fuel is higher then what the town has the town will be rechecked again.</a:t>
+              <a:rPr lang="en" dirty="0"/>
+              <a:t>Another method is that if the algorithm encounters a previously checked town and the predicted amount of fuel is higher </a:t>
+            </a:r>
+            <a:r>
+              <a:rPr lang="en" dirty="0" smtClean="0"/>
+              <a:t>than </a:t>
+            </a:r>
+            <a:r>
+              <a:rPr lang="en" dirty="0"/>
+              <a:t>what the town has the town will be rechecked again</a:t>
+            </a:r>
+            <a:r>
+              <a:rPr lang="en" dirty="0" smtClean="0"/>
+              <a:t>. </a:t>
+            </a:r>
+            <a:r>
+              <a:rPr lang="en" dirty="0" smtClean="0"/>
+              <a:t>If the town checking has less fuel points on its previous list then the town it is checking the difference in gain is taken from the checked town.</a:t>
             </a:r>
             <a:endParaRPr/>
           </a:p>
@@ -9299,7 +9323,29 @@
           <a:p>
             <a:r>
               <a:rPr lang="en-GB" dirty="0" smtClean="0"/>
-              <a:t>Another efficiency method is to make sure fuel points only occur once on the path to avoid potential looping.</a:t>
+              <a:t>Another efficiency method is to make sure fuel points only occur once on the path to avoid potential looping</a:t>
+            </a:r>
+            <a:r>
+              <a:rPr lang="en-GB" dirty="0" smtClean="0"/>
+              <a:t>. This is done by using the previously mentioned previous id list.</a:t>
+            </a:r>
+          </a:p>
+          <a:p>
+            <a:r>
+              <a:rPr lang="en-GB" dirty="0" smtClean="0"/>
+              <a:t>To ensure data isn't lost due to being overwritten the non static data from of the towns checked are stored in a </a:t>
+            </a:r>
+            <a:r>
+              <a:rPr lang="en-GB" dirty="0" err="1" smtClean="0"/>
+              <a:t>struct</a:t>
+            </a:r>
+            <a:r>
+              <a:rPr lang="en-GB" smtClean="0"/>
+              <a:t> queue </a:t>
+            </a:r>
+            <a:r>
+              <a:rPr lang="en-GB" dirty="0" smtClean="0"/>
+              <a:t>which the algorithm goes through instead of a list of nodes. When a member of the queue is called on its data is reapplied to the associated node. Additionally each nodes has a previous id list for the same reason.</a:t>
             </a:r>
             <a:endParaRPr lang="en-US" dirty="0"/>
           </a:p>
@@ -9443,11 +9489,7 @@
             </a:pPr>
             <a:r>
               <a:rPr lang="en" dirty="0" smtClean="0"/>
-              <a:t>I was </a:t>
-            </a:r>
-            <a:r>
-              <a:rPr lang="en" dirty="0" smtClean="0"/>
-              <a:t>able </a:t>
+              <a:t>I was able </a:t>
             </a:r>
             <a:r>
               <a:rPr lang="en" dirty="0"/>
@@ -9476,15 +9518,7 @@
             </a:r>
             <a:r>
               <a:rPr lang="en" dirty="0" smtClean="0"/>
-              <a:t>implemented</a:t>
-            </a:r>
-            <a:r>
-              <a:rPr lang="en" dirty="0" smtClean="0"/>
-              <a:t> </a:t>
-            </a:r>
-            <a:r>
-              <a:rPr lang="en" dirty="0" smtClean="0"/>
-              <a:t>and showed that the created algorithm was generally slower with the time increasing greatly as the distance of the path increased.</a:t>
+              <a:t>implemented and showed that the created algorithm was generally slower with the time increasing greatly as the distance of the path increased.</a:t>
             </a:r>
             <a:endParaRPr/>
           </a:p>
@@ -9642,11 +9676,7 @@
             </a:pPr>
             <a:r>
               <a:rPr lang="en-GB" dirty="0" smtClean="0"/>
-              <a:t>There are still multiple ways in which the efficiency of the algorithm could be increased such as determining if a path is viable earlier</a:t>
-            </a:r>
-            <a:r>
-              <a:rPr lang="en-GB" dirty="0" smtClean="0"/>
-              <a:t>.</a:t>
+              <a:t>There are still multiple ways in which the efficiency of the algorithm could be increased such as determining if a path is viable earlier.</a:t>
             </a:r>
           </a:p>
           <a:p>
